--- a/10_virtual_envs_and_continuous_integration/virtual_environments.pptx
+++ b/10_virtual_envs_and_continuous_integration/virtual_environments.pptx
@@ -221,7 +221,7 @@
           <a:p>
             <a:fld id="{08F62E20-B1AA-3442-B8F1-F4A56998389D}" type="datetimeFigureOut">
               <a:rPr lang="en-US" smtClean="0"/>
-              <a:t>11/25/2025</a:t>
+              <a:t>11/25/25</a:t>
             </a:fld>
             <a:endParaRPr lang="en-US"/>
           </a:p>
@@ -951,7 +951,7 @@
           <a:p>
             <a:fld id="{2691D6E4-0F7A-0249-86EF-226720E50E4C}" type="datetimeFigureOut">
               <a:rPr lang="en-US" smtClean="0"/>
-              <a:t>11/25/2025</a:t>
+              <a:t>11/25/25</a:t>
             </a:fld>
             <a:endParaRPr lang="en-US"/>
           </a:p>
@@ -1143,7 +1143,7 @@
           <a:p>
             <a:fld id="{2691D6E4-0F7A-0249-86EF-226720E50E4C}" type="datetimeFigureOut">
               <a:rPr lang="en-US" smtClean="0"/>
-              <a:t>11/25/2025</a:t>
+              <a:t>11/25/25</a:t>
             </a:fld>
             <a:endParaRPr lang="en-US"/>
           </a:p>
@@ -1345,7 +1345,7 @@
           <a:p>
             <a:fld id="{2691D6E4-0F7A-0249-86EF-226720E50E4C}" type="datetimeFigureOut">
               <a:rPr lang="en-US" smtClean="0"/>
-              <a:t>11/25/2025</a:t>
+              <a:t>11/25/25</a:t>
             </a:fld>
             <a:endParaRPr lang="en-US"/>
           </a:p>
@@ -1537,7 +1537,7 @@
           <a:p>
             <a:fld id="{2691D6E4-0F7A-0249-86EF-226720E50E4C}" type="datetimeFigureOut">
               <a:rPr lang="en-US" smtClean="0"/>
-              <a:t>11/25/2025</a:t>
+              <a:t>11/25/25</a:t>
             </a:fld>
             <a:endParaRPr lang="en-US"/>
           </a:p>
@@ -1806,7 +1806,7 @@
           <a:p>
             <a:fld id="{2691D6E4-0F7A-0249-86EF-226720E50E4C}" type="datetimeFigureOut">
               <a:rPr lang="en-US" smtClean="0"/>
-              <a:t>11/25/2025</a:t>
+              <a:t>11/25/25</a:t>
             </a:fld>
             <a:endParaRPr lang="en-US"/>
           </a:p>
@@ -2115,7 +2115,7 @@
           <a:p>
             <a:fld id="{2691D6E4-0F7A-0249-86EF-226720E50E4C}" type="datetimeFigureOut">
               <a:rPr lang="en-US" smtClean="0"/>
-              <a:t>11/25/2025</a:t>
+              <a:t>11/25/25</a:t>
             </a:fld>
             <a:endParaRPr lang="en-US"/>
           </a:p>
@@ -2558,7 +2558,7 @@
           <a:p>
             <a:fld id="{2691D6E4-0F7A-0249-86EF-226720E50E4C}" type="datetimeFigureOut">
               <a:rPr lang="en-US" smtClean="0"/>
-              <a:t>11/25/2025</a:t>
+              <a:t>11/25/25</a:t>
             </a:fld>
             <a:endParaRPr lang="en-US"/>
           </a:p>
@@ -2699,7 +2699,7 @@
           <a:p>
             <a:fld id="{2691D6E4-0F7A-0249-86EF-226720E50E4C}" type="datetimeFigureOut">
               <a:rPr lang="en-US" smtClean="0"/>
-              <a:t>11/25/2025</a:t>
+              <a:t>11/25/25</a:t>
             </a:fld>
             <a:endParaRPr lang="en-US"/>
           </a:p>
@@ -2818,7 +2818,7 @@
           <a:p>
             <a:fld id="{2691D6E4-0F7A-0249-86EF-226720E50E4C}" type="datetimeFigureOut">
               <a:rPr lang="en-US" smtClean="0"/>
-              <a:t>11/25/2025</a:t>
+              <a:t>11/25/25</a:t>
             </a:fld>
             <a:endParaRPr lang="en-US"/>
           </a:p>
@@ -3117,7 +3117,7 @@
           <a:p>
             <a:fld id="{2691D6E4-0F7A-0249-86EF-226720E50E4C}" type="datetimeFigureOut">
               <a:rPr lang="en-US" smtClean="0"/>
-              <a:t>11/25/2025</a:t>
+              <a:t>11/25/25</a:t>
             </a:fld>
             <a:endParaRPr lang="en-US"/>
           </a:p>
@@ -3393,7 +3393,7 @@
           <a:p>
             <a:fld id="{2691D6E4-0F7A-0249-86EF-226720E50E4C}" type="datetimeFigureOut">
               <a:rPr lang="en-US" smtClean="0"/>
-              <a:t>11/25/2025</a:t>
+              <a:t>11/25/25</a:t>
             </a:fld>
             <a:endParaRPr lang="en-US"/>
           </a:p>
@@ -5162,7 +5162,7 @@
         </p:spPr>
         <p:txBody>
           <a:bodyPr>
-            <a:normAutofit fontScale="77500" lnSpcReduction="20000"/>
+            <a:normAutofit fontScale="70000" lnSpcReduction="20000"/>
           </a:bodyPr>
           <a:lstStyle/>
           <a:p>
@@ -5406,6 +5406,36 @@
               <a:rPr lang="en-US" dirty="0"/>
               <a:t>Run your Python code and see if any packages missing, rinse, repeat</a:t>
             </a:r>
+          </a:p>
+          <a:p>
+            <a:pPr marL="914400" lvl="2" indent="0">
+              <a:buNone/>
+            </a:pPr>
+            <a:r>
+              <a:rPr lang="en-US" dirty="0" err="1">
+                <a:latin typeface="Courier New" charset="0"/>
+                <a:ea typeface="Courier New" charset="0"/>
+                <a:cs typeface="Courier New" charset="0"/>
+              </a:rPr>
+              <a:t>conda</a:t>
+            </a:r>
+            <a:r>
+              <a:rPr lang="en-US" dirty="0">
+                <a:latin typeface="Courier New" charset="0"/>
+                <a:ea typeface="Courier New" charset="0"/>
+                <a:cs typeface="Courier New" charset="0"/>
+              </a:rPr>
+              <a:t> env update -f </a:t>
+            </a:r>
+            <a:r>
+              <a:rPr lang="en-US" dirty="0" err="1">
+                <a:latin typeface="Courier New" charset="0"/>
+                <a:ea typeface="Courier New" charset="0"/>
+                <a:cs typeface="Courier New" charset="0"/>
+              </a:rPr>
+              <a:t>environment.yml</a:t>
+            </a:r>
+            <a:endParaRPr lang="en-US" dirty="0"/>
           </a:p>
           <a:p>
             <a:pPr lvl="1"/>
@@ -5435,6 +5465,77 @@
               </a:rPr>
               <a:t> for your project to prepare for the next part, testing!</a:t>
             </a:r>
+          </a:p>
+          <a:p>
+            <a:pPr lvl="1"/>
+            <a:r>
+              <a:rPr lang="en-US" dirty="0">
+                <a:highlight>
+                  <a:srgbClr val="FFFF00"/>
+                </a:highlight>
+              </a:rPr>
+              <a:t>To remove:</a:t>
+            </a:r>
+          </a:p>
+          <a:p>
+            <a:pPr lvl="2"/>
+            <a:r>
+              <a:rPr lang="en-US" dirty="0" err="1">
+                <a:highlight>
+                  <a:srgbClr val="FFFF00"/>
+                </a:highlight>
+                <a:latin typeface="Courier New" charset="0"/>
+                <a:ea typeface="Courier New" charset="0"/>
+                <a:cs typeface="Courier New" charset="0"/>
+              </a:rPr>
+              <a:t>conda</a:t>
+            </a:r>
+            <a:r>
+              <a:rPr lang="en-US" dirty="0">
+                <a:highlight>
+                  <a:srgbClr val="FFFF00"/>
+                </a:highlight>
+                <a:latin typeface="Courier New" charset="0"/>
+                <a:ea typeface="Courier New" charset="0"/>
+                <a:cs typeface="Courier New" charset="0"/>
+              </a:rPr>
+              <a:t> remove –n &lt;</a:t>
+            </a:r>
+            <a:r>
+              <a:rPr lang="en-US" dirty="0" err="1">
+                <a:highlight>
+                  <a:srgbClr val="FFFF00"/>
+                </a:highlight>
+                <a:latin typeface="Courier New" charset="0"/>
+                <a:ea typeface="Courier New" charset="0"/>
+                <a:cs typeface="Courier New" charset="0"/>
+              </a:rPr>
+              <a:t>env_name</a:t>
+            </a:r>
+            <a:r>
+              <a:rPr lang="en-US">
+                <a:highlight>
+                  <a:srgbClr val="FFFF00"/>
+                </a:highlight>
+                <a:latin typeface="Courier New" charset="0"/>
+                <a:ea typeface="Courier New" charset="0"/>
+                <a:cs typeface="Courier New" charset="0"/>
+              </a:rPr>
+              <a:t>&gt; --all</a:t>
+            </a:r>
+            <a:endParaRPr lang="en-US" dirty="0">
+              <a:highlight>
+                <a:srgbClr val="FFFF00"/>
+              </a:highlight>
+            </a:endParaRPr>
+          </a:p>
+          <a:p>
+            <a:pPr lvl="2"/>
+            <a:endParaRPr lang="en-US" dirty="0">
+              <a:highlight>
+                <a:srgbClr val="FFFF00"/>
+              </a:highlight>
+            </a:endParaRPr>
           </a:p>
         </p:txBody>
       </p:sp>
